--- a/Bilder/_0Skizzen.pptx
+++ b/Bilder/_0Skizzen.pptx
@@ -264,7 +264,7 @@
           <a:p>
             <a:fld id="{A81A9351-C02A-4A78-87C6-90EB31BF9366}" type="datetimeFigureOut">
               <a:rPr lang="de-DE" smtClean="0"/>
-              <a:t>08.12.2022</a:t>
+              <a:t>20.12.2022</a:t>
             </a:fld>
             <a:endParaRPr lang="de-DE"/>
           </a:p>
@@ -462,7 +462,7 @@
           <a:p>
             <a:fld id="{A81A9351-C02A-4A78-87C6-90EB31BF9366}" type="datetimeFigureOut">
               <a:rPr lang="de-DE" smtClean="0"/>
-              <a:t>08.12.2022</a:t>
+              <a:t>20.12.2022</a:t>
             </a:fld>
             <a:endParaRPr lang="de-DE"/>
           </a:p>
@@ -670,7 +670,7 @@
           <a:p>
             <a:fld id="{A81A9351-C02A-4A78-87C6-90EB31BF9366}" type="datetimeFigureOut">
               <a:rPr lang="de-DE" smtClean="0"/>
-              <a:t>08.12.2022</a:t>
+              <a:t>20.12.2022</a:t>
             </a:fld>
             <a:endParaRPr lang="de-DE"/>
           </a:p>
@@ -868,7 +868,7 @@
           <a:p>
             <a:fld id="{A81A9351-C02A-4A78-87C6-90EB31BF9366}" type="datetimeFigureOut">
               <a:rPr lang="de-DE" smtClean="0"/>
-              <a:t>08.12.2022</a:t>
+              <a:t>20.12.2022</a:t>
             </a:fld>
             <a:endParaRPr lang="de-DE"/>
           </a:p>
@@ -1143,7 +1143,7 @@
           <a:p>
             <a:fld id="{A81A9351-C02A-4A78-87C6-90EB31BF9366}" type="datetimeFigureOut">
               <a:rPr lang="de-DE" smtClean="0"/>
-              <a:t>08.12.2022</a:t>
+              <a:t>20.12.2022</a:t>
             </a:fld>
             <a:endParaRPr lang="de-DE"/>
           </a:p>
@@ -1408,7 +1408,7 @@
           <a:p>
             <a:fld id="{A81A9351-C02A-4A78-87C6-90EB31BF9366}" type="datetimeFigureOut">
               <a:rPr lang="de-DE" smtClean="0"/>
-              <a:t>08.12.2022</a:t>
+              <a:t>20.12.2022</a:t>
             </a:fld>
             <a:endParaRPr lang="de-DE"/>
           </a:p>
@@ -1820,7 +1820,7 @@
           <a:p>
             <a:fld id="{A81A9351-C02A-4A78-87C6-90EB31BF9366}" type="datetimeFigureOut">
               <a:rPr lang="de-DE" smtClean="0"/>
-              <a:t>08.12.2022</a:t>
+              <a:t>20.12.2022</a:t>
             </a:fld>
             <a:endParaRPr lang="de-DE"/>
           </a:p>
@@ -1961,7 +1961,7 @@
           <a:p>
             <a:fld id="{A81A9351-C02A-4A78-87C6-90EB31BF9366}" type="datetimeFigureOut">
               <a:rPr lang="de-DE" smtClean="0"/>
-              <a:t>08.12.2022</a:t>
+              <a:t>20.12.2022</a:t>
             </a:fld>
             <a:endParaRPr lang="de-DE"/>
           </a:p>
@@ -2074,7 +2074,7 @@
           <a:p>
             <a:fld id="{A81A9351-C02A-4A78-87C6-90EB31BF9366}" type="datetimeFigureOut">
               <a:rPr lang="de-DE" smtClean="0"/>
-              <a:t>08.12.2022</a:t>
+              <a:t>20.12.2022</a:t>
             </a:fld>
             <a:endParaRPr lang="de-DE"/>
           </a:p>
@@ -2385,7 +2385,7 @@
           <a:p>
             <a:fld id="{A81A9351-C02A-4A78-87C6-90EB31BF9366}" type="datetimeFigureOut">
               <a:rPr lang="de-DE" smtClean="0"/>
-              <a:t>08.12.2022</a:t>
+              <a:t>20.12.2022</a:t>
             </a:fld>
             <a:endParaRPr lang="de-DE"/>
           </a:p>
@@ -2673,7 +2673,7 @@
           <a:p>
             <a:fld id="{A81A9351-C02A-4A78-87C6-90EB31BF9366}" type="datetimeFigureOut">
               <a:rPr lang="de-DE" smtClean="0"/>
-              <a:t>08.12.2022</a:t>
+              <a:t>20.12.2022</a:t>
             </a:fld>
             <a:endParaRPr lang="de-DE"/>
           </a:p>
@@ -2914,7 +2914,7 @@
           <a:p>
             <a:fld id="{A81A9351-C02A-4A78-87C6-90EB31BF9366}" type="datetimeFigureOut">
               <a:rPr lang="de-DE" smtClean="0"/>
-              <a:t>08.12.2022</a:t>
+              <a:t>20.12.2022</a:t>
             </a:fld>
             <a:endParaRPr lang="de-DE"/>
           </a:p>
@@ -9765,8 +9765,8 @@
           </p:style>
         </p:cxnSp>
       </p:grpSp>
-      <mc:AlternateContent xmlns:mc="http://schemas.openxmlformats.org/markup-compatibility/2006">
-        <mc:Choice xmlns:a14="http://schemas.microsoft.com/office/drawing/2010/main" Requires="a14">
+      <mc:AlternateContent xmlns:mc="http://schemas.openxmlformats.org/markup-compatibility/2006" xmlns:a14="http://schemas.microsoft.com/office/drawing/2010/main">
+        <mc:Choice Requires="a14">
           <p:sp>
             <p:nvSpPr>
               <p:cNvPr id="21" name="TextBox 20">
@@ -9848,7 +9848,7 @@
             </p:txBody>
           </p:sp>
         </mc:Choice>
-        <mc:Fallback>
+        <mc:Fallback xmlns="">
           <p:sp>
             <p:nvSpPr>
               <p:cNvPr id="21" name="TextBox 20">
@@ -9893,8 +9893,8 @@
           </p:sp>
         </mc:Fallback>
       </mc:AlternateContent>
-      <mc:AlternateContent xmlns:mc="http://schemas.openxmlformats.org/markup-compatibility/2006">
-        <mc:Choice xmlns:a14="http://schemas.microsoft.com/office/drawing/2010/main" Requires="a14">
+      <mc:AlternateContent xmlns:mc="http://schemas.openxmlformats.org/markup-compatibility/2006" xmlns:a14="http://schemas.microsoft.com/office/drawing/2010/main">
+        <mc:Choice Requires="a14">
           <p:sp>
             <p:nvSpPr>
               <p:cNvPr id="22" name="TextBox 21">
@@ -9976,7 +9976,7 @@
             </p:txBody>
           </p:sp>
         </mc:Choice>
-        <mc:Fallback>
+        <mc:Fallback xmlns="">
           <p:sp>
             <p:nvSpPr>
               <p:cNvPr id="22" name="TextBox 21">
@@ -10021,8 +10021,8 @@
           </p:sp>
         </mc:Fallback>
       </mc:AlternateContent>
-      <mc:AlternateContent xmlns:mc="http://schemas.openxmlformats.org/markup-compatibility/2006">
-        <mc:Choice xmlns:a14="http://schemas.microsoft.com/office/drawing/2010/main" Requires="a14">
+      <mc:AlternateContent xmlns:mc="http://schemas.openxmlformats.org/markup-compatibility/2006" xmlns:a14="http://schemas.microsoft.com/office/drawing/2010/main">
+        <mc:Choice Requires="a14">
           <p:sp>
             <p:nvSpPr>
               <p:cNvPr id="23" name="TextBox 22">
@@ -10104,7 +10104,7 @@
             </p:txBody>
           </p:sp>
         </mc:Choice>
-        <mc:Fallback>
+        <mc:Fallback xmlns="">
           <p:sp>
             <p:nvSpPr>
               <p:cNvPr id="23" name="TextBox 22">
@@ -10149,8 +10149,8 @@
           </p:sp>
         </mc:Fallback>
       </mc:AlternateContent>
-      <mc:AlternateContent xmlns:mc="http://schemas.openxmlformats.org/markup-compatibility/2006">
-        <mc:Choice xmlns:a14="http://schemas.microsoft.com/office/drawing/2010/main" Requires="a14">
+      <mc:AlternateContent xmlns:mc="http://schemas.openxmlformats.org/markup-compatibility/2006" xmlns:a14="http://schemas.microsoft.com/office/drawing/2010/main">
+        <mc:Choice Requires="a14">
           <p:sp>
             <p:nvSpPr>
               <p:cNvPr id="24" name="TextBox 23">
@@ -10232,7 +10232,7 @@
             </p:txBody>
           </p:sp>
         </mc:Choice>
-        <mc:Fallback>
+        <mc:Fallback xmlns="">
           <p:sp>
             <p:nvSpPr>
               <p:cNvPr id="24" name="TextBox 23">
@@ -10277,8 +10277,8 @@
           </p:sp>
         </mc:Fallback>
       </mc:AlternateContent>
-      <mc:AlternateContent xmlns:mc="http://schemas.openxmlformats.org/markup-compatibility/2006">
-        <mc:Choice xmlns:a14="http://schemas.microsoft.com/office/drawing/2010/main" Requires="a14">
+      <mc:AlternateContent xmlns:mc="http://schemas.openxmlformats.org/markup-compatibility/2006" xmlns:a14="http://schemas.microsoft.com/office/drawing/2010/main">
+        <mc:Choice Requires="a14">
           <p:sp>
             <p:nvSpPr>
               <p:cNvPr id="25" name="TextBox 24">
@@ -10360,7 +10360,7 @@
             </p:txBody>
           </p:sp>
         </mc:Choice>
-        <mc:Fallback>
+        <mc:Fallback xmlns="">
           <p:sp>
             <p:nvSpPr>
               <p:cNvPr id="25" name="TextBox 24">
@@ -10405,8 +10405,8 @@
           </p:sp>
         </mc:Fallback>
       </mc:AlternateContent>
-      <mc:AlternateContent xmlns:mc="http://schemas.openxmlformats.org/markup-compatibility/2006">
-        <mc:Choice xmlns:a14="http://schemas.microsoft.com/office/drawing/2010/main" Requires="a14">
+      <mc:AlternateContent xmlns:mc="http://schemas.openxmlformats.org/markup-compatibility/2006" xmlns:a14="http://schemas.microsoft.com/office/drawing/2010/main">
+        <mc:Choice Requires="a14">
           <p:sp>
             <p:nvSpPr>
               <p:cNvPr id="26" name="TextBox 25">
@@ -10488,7 +10488,7 @@
             </p:txBody>
           </p:sp>
         </mc:Choice>
-        <mc:Fallback>
+        <mc:Fallback xmlns="">
           <p:sp>
             <p:nvSpPr>
               <p:cNvPr id="26" name="TextBox 25">
@@ -11178,8 +11178,8 @@
                   </a:fontRef>
                 </p:style>
               </p:cxnSp>
-              <mc:AlternateContent xmlns:mc="http://schemas.openxmlformats.org/markup-compatibility/2006">
-                <mc:Choice xmlns:a14="http://schemas.microsoft.com/office/drawing/2010/main" Requires="a14">
+              <mc:AlternateContent xmlns:mc="http://schemas.openxmlformats.org/markup-compatibility/2006" xmlns:a14="http://schemas.microsoft.com/office/drawing/2010/main">
+                <mc:Choice Requires="a14">
                   <p:sp>
                     <p:nvSpPr>
                       <p:cNvPr id="87" name="TextBox 86">
@@ -11261,7 +11261,7 @@
                     </p:txBody>
                   </p:sp>
                 </mc:Choice>
-                <mc:Fallback>
+                <mc:Fallback xmlns="">
                   <p:sp>
                     <p:nvSpPr>
                       <p:cNvPr id="87" name="TextBox 86">
@@ -11348,8 +11348,8 @@
                 </a:fontRef>
               </p:style>
             </p:cxnSp>
-            <mc:AlternateContent xmlns:mc="http://schemas.openxmlformats.org/markup-compatibility/2006">
-              <mc:Choice xmlns:a14="http://schemas.microsoft.com/office/drawing/2010/main" Requires="a14">
+            <mc:AlternateContent xmlns:mc="http://schemas.openxmlformats.org/markup-compatibility/2006" xmlns:a14="http://schemas.microsoft.com/office/drawing/2010/main">
+              <mc:Choice Requires="a14">
                 <p:sp>
                   <p:nvSpPr>
                     <p:cNvPr id="83" name="TextBox 82">
@@ -11431,7 +11431,7 @@
                   </p:txBody>
                 </p:sp>
               </mc:Choice>
-              <mc:Fallback>
+              <mc:Fallback xmlns="">
                 <p:sp>
                   <p:nvSpPr>
                     <p:cNvPr id="83" name="TextBox 82">
@@ -11517,8 +11517,8 @@
                 </a:fontRef>
               </p:style>
             </p:cxnSp>
-            <mc:AlternateContent xmlns:mc="http://schemas.openxmlformats.org/markup-compatibility/2006">
-              <mc:Choice xmlns:a14="http://schemas.microsoft.com/office/drawing/2010/main" Requires="a14">
+            <mc:AlternateContent xmlns:mc="http://schemas.openxmlformats.org/markup-compatibility/2006" xmlns:a14="http://schemas.microsoft.com/office/drawing/2010/main">
+              <mc:Choice Requires="a14">
                 <p:sp>
                   <p:nvSpPr>
                     <p:cNvPr id="85" name="TextBox 84">
@@ -11600,7 +11600,7 @@
                   </p:txBody>
                 </p:sp>
               </mc:Choice>
-              <mc:Fallback>
+              <mc:Fallback xmlns="">
                 <p:sp>
                   <p:nvSpPr>
                     <p:cNvPr id="85" name="TextBox 84">
@@ -11707,8 +11707,8 @@
                 </a:fontRef>
               </p:style>
             </p:cxnSp>
-            <mc:AlternateContent xmlns:mc="http://schemas.openxmlformats.org/markup-compatibility/2006">
-              <mc:Choice xmlns:a14="http://schemas.microsoft.com/office/drawing/2010/main" Requires="a14">
+            <mc:AlternateContent xmlns:mc="http://schemas.openxmlformats.org/markup-compatibility/2006" xmlns:a14="http://schemas.microsoft.com/office/drawing/2010/main">
+              <mc:Choice Requires="a14">
                 <p:sp>
                   <p:nvSpPr>
                     <p:cNvPr id="80" name="TextBox 79">
@@ -11790,7 +11790,7 @@
                   </p:txBody>
                 </p:sp>
               </mc:Choice>
-              <mc:Fallback>
+              <mc:Fallback xmlns="">
                 <p:sp>
                   <p:nvSpPr>
                     <p:cNvPr id="80" name="TextBox 79">
@@ -11897,8 +11897,8 @@
                 </a:fontRef>
               </p:style>
             </p:cxnSp>
-            <mc:AlternateContent xmlns:mc="http://schemas.openxmlformats.org/markup-compatibility/2006">
-              <mc:Choice xmlns:a14="http://schemas.microsoft.com/office/drawing/2010/main" Requires="a14">
+            <mc:AlternateContent xmlns:mc="http://schemas.openxmlformats.org/markup-compatibility/2006" xmlns:a14="http://schemas.microsoft.com/office/drawing/2010/main">
+              <mc:Choice Requires="a14">
                 <p:sp>
                   <p:nvSpPr>
                     <p:cNvPr id="78" name="TextBox 77">
@@ -11980,7 +11980,7 @@
                   </p:txBody>
                 </p:sp>
               </mc:Choice>
-              <mc:Fallback>
+              <mc:Fallback xmlns="">
                 <p:sp>
                   <p:nvSpPr>
                     <p:cNvPr id="78" name="TextBox 77">
@@ -12087,8 +12087,8 @@
                 </a:fontRef>
               </p:style>
             </p:cxnSp>
-            <mc:AlternateContent xmlns:mc="http://schemas.openxmlformats.org/markup-compatibility/2006">
-              <mc:Choice xmlns:a14="http://schemas.microsoft.com/office/drawing/2010/main" Requires="a14">
+            <mc:AlternateContent xmlns:mc="http://schemas.openxmlformats.org/markup-compatibility/2006" xmlns:a14="http://schemas.microsoft.com/office/drawing/2010/main">
+              <mc:Choice Requires="a14">
                 <p:sp>
                   <p:nvSpPr>
                     <p:cNvPr id="76" name="TextBox 75">
@@ -12170,7 +12170,7 @@
                   </p:txBody>
                 </p:sp>
               </mc:Choice>
-              <mc:Fallback>
+              <mc:Fallback xmlns="">
                 <p:sp>
                   <p:nvSpPr>
                     <p:cNvPr id="76" name="TextBox 75">
@@ -12479,8 +12479,8 @@
                 </a:fontRef>
               </p:style>
             </p:cxnSp>
-            <mc:AlternateContent xmlns:mc="http://schemas.openxmlformats.org/markup-compatibility/2006">
-              <mc:Choice xmlns:a14="http://schemas.microsoft.com/office/drawing/2010/main" Requires="a14">
+            <mc:AlternateContent xmlns:mc="http://schemas.openxmlformats.org/markup-compatibility/2006" xmlns:a14="http://schemas.microsoft.com/office/drawing/2010/main">
+              <mc:Choice Requires="a14">
                 <p:sp>
                   <p:nvSpPr>
                     <p:cNvPr id="21" name="TextBox 20">
@@ -12562,7 +12562,7 @@
                   </p:txBody>
                 </p:sp>
               </mc:Choice>
-              <mc:Fallback>
+              <mc:Fallback xmlns="">
                 <p:sp>
                   <p:nvSpPr>
                     <p:cNvPr id="21" name="TextBox 20">
@@ -12649,8 +12649,8 @@
               </a:fontRef>
             </p:style>
           </p:cxnSp>
-          <mc:AlternateContent xmlns:mc="http://schemas.openxmlformats.org/markup-compatibility/2006">
-            <mc:Choice xmlns:a14="http://schemas.microsoft.com/office/drawing/2010/main" Requires="a14">
+          <mc:AlternateContent xmlns:mc="http://schemas.openxmlformats.org/markup-compatibility/2006" xmlns:a14="http://schemas.microsoft.com/office/drawing/2010/main">
+            <mc:Choice Requires="a14">
               <p:sp>
                 <p:nvSpPr>
                   <p:cNvPr id="22" name="TextBox 21">
@@ -12732,7 +12732,7 @@
                 </p:txBody>
               </p:sp>
             </mc:Choice>
-            <mc:Fallback>
+            <mc:Fallback xmlns="">
               <p:sp>
                 <p:nvSpPr>
                   <p:cNvPr id="22" name="TextBox 21">
@@ -12818,8 +12818,8 @@
               </a:fontRef>
             </p:style>
           </p:cxnSp>
-          <mc:AlternateContent xmlns:mc="http://schemas.openxmlformats.org/markup-compatibility/2006">
-            <mc:Choice xmlns:a14="http://schemas.microsoft.com/office/drawing/2010/main" Requires="a14">
+          <mc:AlternateContent xmlns:mc="http://schemas.openxmlformats.org/markup-compatibility/2006" xmlns:a14="http://schemas.microsoft.com/office/drawing/2010/main">
+            <mc:Choice Requires="a14">
               <p:sp>
                 <p:nvSpPr>
                   <p:cNvPr id="23" name="TextBox 22">
@@ -12901,7 +12901,7 @@
                 </p:txBody>
               </p:sp>
             </mc:Choice>
-            <mc:Fallback>
+            <mc:Fallback xmlns="">
               <p:sp>
                 <p:nvSpPr>
                   <p:cNvPr id="23" name="TextBox 22">
@@ -13008,8 +13008,8 @@
               </a:fontRef>
             </p:style>
           </p:cxnSp>
-          <mc:AlternateContent xmlns:mc="http://schemas.openxmlformats.org/markup-compatibility/2006">
-            <mc:Choice xmlns:a14="http://schemas.microsoft.com/office/drawing/2010/main" Requires="a14">
+          <mc:AlternateContent xmlns:mc="http://schemas.openxmlformats.org/markup-compatibility/2006" xmlns:a14="http://schemas.microsoft.com/office/drawing/2010/main">
+            <mc:Choice Requires="a14">
               <p:sp>
                 <p:nvSpPr>
                   <p:cNvPr id="24" name="TextBox 23">
@@ -13091,7 +13091,7 @@
                 </p:txBody>
               </p:sp>
             </mc:Choice>
-            <mc:Fallback>
+            <mc:Fallback xmlns="">
               <p:sp>
                 <p:nvSpPr>
                   <p:cNvPr id="24" name="TextBox 23">
@@ -13198,8 +13198,8 @@
               </a:fontRef>
             </p:style>
           </p:cxnSp>
-          <mc:AlternateContent xmlns:mc="http://schemas.openxmlformats.org/markup-compatibility/2006">
-            <mc:Choice xmlns:a14="http://schemas.microsoft.com/office/drawing/2010/main" Requires="a14">
+          <mc:AlternateContent xmlns:mc="http://schemas.openxmlformats.org/markup-compatibility/2006" xmlns:a14="http://schemas.microsoft.com/office/drawing/2010/main">
+            <mc:Choice Requires="a14">
               <p:sp>
                 <p:nvSpPr>
                   <p:cNvPr id="25" name="TextBox 24">
@@ -13281,7 +13281,7 @@
                 </p:txBody>
               </p:sp>
             </mc:Choice>
-            <mc:Fallback>
+            <mc:Fallback xmlns="">
               <p:sp>
                 <p:nvSpPr>
                   <p:cNvPr id="25" name="TextBox 24">
@@ -13388,8 +13388,8 @@
               </a:fontRef>
             </p:style>
           </p:cxnSp>
-          <mc:AlternateContent xmlns:mc="http://schemas.openxmlformats.org/markup-compatibility/2006">
-            <mc:Choice xmlns:a14="http://schemas.microsoft.com/office/drawing/2010/main" Requires="a14">
+          <mc:AlternateContent xmlns:mc="http://schemas.openxmlformats.org/markup-compatibility/2006" xmlns:a14="http://schemas.microsoft.com/office/drawing/2010/main">
+            <mc:Choice Requires="a14">
               <p:sp>
                 <p:nvSpPr>
                   <p:cNvPr id="26" name="TextBox 25">
@@ -13471,7 +13471,7 @@
                 </p:txBody>
               </p:sp>
             </mc:Choice>
-            <mc:Fallback>
+            <mc:Fallback xmlns="">
               <p:sp>
                 <p:nvSpPr>
                   <p:cNvPr id="26" name="TextBox 25">
